--- a/Report/최종발표.pptx
+++ b/Report/최종발표.pptx
@@ -109,6 +109,11 @@
       </a:defRPr>
     </a:lvl9pPr>
   </p:defaultTextStyle>
+  <p:extLst>
+    <p:ext uri="{EFAFB233-063F-42B5-8137-9DF3F51BA10A}">
+      <p15:sldGuideLst xmlns:p15="http://schemas.microsoft.com/office/powerpoint/2012/main"/>
+    </p:ext>
+  </p:extLst>
 </p:presentation>
 </file>
 
@@ -259,7 +264,7 @@
           <a:p>
             <a:fld id="{2242101E-4627-4B3C-A5E1-69F6877652B1}" type="datetimeFigureOut">
               <a:rPr lang="ko-KR" altLang="en-US" smtClean="0"/>
-              <a:t>2018-12-08</a:t>
+              <a:t>2018-12-09</a:t>
             </a:fld>
             <a:endParaRPr lang="ko-KR" altLang="en-US"/>
           </a:p>
@@ -457,7 +462,7 @@
           <a:p>
             <a:fld id="{2242101E-4627-4B3C-A5E1-69F6877652B1}" type="datetimeFigureOut">
               <a:rPr lang="ko-KR" altLang="en-US" smtClean="0"/>
-              <a:t>2018-12-08</a:t>
+              <a:t>2018-12-09</a:t>
             </a:fld>
             <a:endParaRPr lang="ko-KR" altLang="en-US"/>
           </a:p>
@@ -665,7 +670,7 @@
           <a:p>
             <a:fld id="{2242101E-4627-4B3C-A5E1-69F6877652B1}" type="datetimeFigureOut">
               <a:rPr lang="ko-KR" altLang="en-US" smtClean="0"/>
-              <a:t>2018-12-08</a:t>
+              <a:t>2018-12-09</a:t>
             </a:fld>
             <a:endParaRPr lang="ko-KR" altLang="en-US"/>
           </a:p>
@@ -863,7 +868,7 @@
           <a:p>
             <a:fld id="{2242101E-4627-4B3C-A5E1-69F6877652B1}" type="datetimeFigureOut">
               <a:rPr lang="ko-KR" altLang="en-US" smtClean="0"/>
-              <a:t>2018-12-08</a:t>
+              <a:t>2018-12-09</a:t>
             </a:fld>
             <a:endParaRPr lang="ko-KR" altLang="en-US"/>
           </a:p>
@@ -1138,7 +1143,7 @@
           <a:p>
             <a:fld id="{2242101E-4627-4B3C-A5E1-69F6877652B1}" type="datetimeFigureOut">
               <a:rPr lang="ko-KR" altLang="en-US" smtClean="0"/>
-              <a:t>2018-12-08</a:t>
+              <a:t>2018-12-09</a:t>
             </a:fld>
             <a:endParaRPr lang="ko-KR" altLang="en-US"/>
           </a:p>
@@ -1403,7 +1408,7 @@
           <a:p>
             <a:fld id="{2242101E-4627-4B3C-A5E1-69F6877652B1}" type="datetimeFigureOut">
               <a:rPr lang="ko-KR" altLang="en-US" smtClean="0"/>
-              <a:t>2018-12-08</a:t>
+              <a:t>2018-12-09</a:t>
             </a:fld>
             <a:endParaRPr lang="ko-KR" altLang="en-US"/>
           </a:p>
@@ -1815,7 +1820,7 @@
           <a:p>
             <a:fld id="{2242101E-4627-4B3C-A5E1-69F6877652B1}" type="datetimeFigureOut">
               <a:rPr lang="ko-KR" altLang="en-US" smtClean="0"/>
-              <a:t>2018-12-08</a:t>
+              <a:t>2018-12-09</a:t>
             </a:fld>
             <a:endParaRPr lang="ko-KR" altLang="en-US"/>
           </a:p>
@@ -1956,7 +1961,7 @@
           <a:p>
             <a:fld id="{2242101E-4627-4B3C-A5E1-69F6877652B1}" type="datetimeFigureOut">
               <a:rPr lang="ko-KR" altLang="en-US" smtClean="0"/>
-              <a:t>2018-12-08</a:t>
+              <a:t>2018-12-09</a:t>
             </a:fld>
             <a:endParaRPr lang="ko-KR" altLang="en-US"/>
           </a:p>
@@ -2069,7 +2074,7 @@
           <a:p>
             <a:fld id="{2242101E-4627-4B3C-A5E1-69F6877652B1}" type="datetimeFigureOut">
               <a:rPr lang="ko-KR" altLang="en-US" smtClean="0"/>
-              <a:t>2018-12-08</a:t>
+              <a:t>2018-12-09</a:t>
             </a:fld>
             <a:endParaRPr lang="ko-KR" altLang="en-US"/>
           </a:p>
@@ -2380,7 +2385,7 @@
           <a:p>
             <a:fld id="{2242101E-4627-4B3C-A5E1-69F6877652B1}" type="datetimeFigureOut">
               <a:rPr lang="ko-KR" altLang="en-US" smtClean="0"/>
-              <a:t>2018-12-08</a:t>
+              <a:t>2018-12-09</a:t>
             </a:fld>
             <a:endParaRPr lang="ko-KR" altLang="en-US"/>
           </a:p>
@@ -2668,7 +2673,7 @@
           <a:p>
             <a:fld id="{2242101E-4627-4B3C-A5E1-69F6877652B1}" type="datetimeFigureOut">
               <a:rPr lang="ko-KR" altLang="en-US" smtClean="0"/>
-              <a:t>2018-12-08</a:t>
+              <a:t>2018-12-09</a:t>
             </a:fld>
             <a:endParaRPr lang="ko-KR" altLang="en-US"/>
           </a:p>
@@ -2909,7 +2914,7 @@
           <a:p>
             <a:fld id="{2242101E-4627-4B3C-A5E1-69F6877652B1}" type="datetimeFigureOut">
               <a:rPr lang="ko-KR" altLang="en-US" smtClean="0"/>
-              <a:t>2018-12-08</a:t>
+              <a:t>2018-12-09</a:t>
             </a:fld>
             <a:endParaRPr lang="ko-KR" altLang="en-US"/>
           </a:p>
@@ -4610,8 +4615,8 @@
         </p:nvSpPr>
         <p:spPr>
           <a:xfrm>
-            <a:off x="5051927" y="5470921"/>
-            <a:ext cx="3747752" cy="369332"/>
+            <a:off x="3660296" y="5436053"/>
+            <a:ext cx="3747752" cy="523220"/>
           </a:xfrm>
           <a:prstGeom prst="rect">
             <a:avLst/>
@@ -4624,42 +4629,188 @@
           </a:bodyPr>
           <a:lstStyle/>
           <a:p>
-            <a:r>
-              <a:rPr lang="ko-KR" altLang="en-US" dirty="0" err="1"/>
+            <a:pPr algn="ctr"/>
+            <a:r>
+              <a:rPr lang="ko-KR" altLang="en-US" sz="2800" dirty="0" err="1"/>
               <a:t>만렙</a:t>
             </a:r>
             <a:r>
-              <a:rPr lang="ko-KR" altLang="en-US" dirty="0"/>
+              <a:rPr lang="ko-KR" altLang="en-US" sz="2800" dirty="0"/>
               <a:t> 바나나</a:t>
             </a:r>
             <a:r>
-              <a:rPr lang="en-US" altLang="ko-KR" dirty="0"/>
+              <a:rPr lang="en-US" altLang="ko-KR" sz="2800" dirty="0"/>
               <a:t>!</a:t>
             </a:r>
-            <a:endParaRPr lang="ko-KR" altLang="en-US" dirty="0"/>
-          </a:p>
-        </p:txBody>
-      </p:sp>
-      <p:sp>
-        <p:nvSpPr>
-          <p:cNvPr id="10" name="직사각형 9">
-            <a:extLst>
-              <a:ext uri="{FF2B5EF4-FFF2-40B4-BE49-F238E27FC236}">
-                <a16:creationId xmlns:a16="http://schemas.microsoft.com/office/drawing/2014/main" id="{2084E2E6-8C59-46DF-99C7-67F67AD1C756}"/>
-              </a:ext>
-            </a:extLst>
-          </p:cNvPr>
-          <p:cNvSpPr/>
+            <a:endParaRPr lang="ko-KR" altLang="en-US" sz="2800" dirty="0"/>
+          </a:p>
+        </p:txBody>
+      </p:sp>
+      <p:sp>
+        <p:nvSpPr>
+          <p:cNvPr id="11" name="TextBox 10">
+            <a:extLst>
+              <a:ext uri="{FF2B5EF4-FFF2-40B4-BE49-F238E27FC236}">
+                <a16:creationId xmlns:a16="http://schemas.microsoft.com/office/drawing/2014/main" id="{38AB94DD-A390-4091-B8FE-B1F37B96F14A}"/>
+              </a:ext>
+            </a:extLst>
+          </p:cNvPr>
+          <p:cNvSpPr txBox="1"/>
           <p:nvPr/>
         </p:nvSpPr>
         <p:spPr>
           <a:xfrm>
-            <a:off x="4462530" y="2264206"/>
-            <a:ext cx="2884867" cy="2649084"/>
+            <a:off x="379928" y="1462648"/>
+            <a:ext cx="2731838" cy="369332"/>
           </a:xfrm>
           <a:prstGeom prst="rect">
             <a:avLst/>
           </a:prstGeom>
+          <a:noFill/>
+        </p:spPr>
+        <p:txBody>
+          <a:bodyPr wrap="none" rtlCol="0">
+            <a:spAutoFit/>
+          </a:bodyPr>
+          <a:lstStyle/>
+          <a:p>
+            <a:r>
+              <a:rPr lang="en-US" altLang="ko-KR" dirty="0"/>
+              <a:t>1 </a:t>
+            </a:r>
+            <a:r>
+              <a:rPr lang="ko-KR" altLang="en-US" dirty="0"/>
+              <a:t>기본 </a:t>
+            </a:r>
+            <a:r>
+              <a:rPr lang="en-US" altLang="ko-KR" dirty="0"/>
+              <a:t>W S </a:t>
+            </a:r>
+            <a:r>
+              <a:rPr lang="ko-KR" altLang="en-US" dirty="0"/>
+              <a:t>로 이동한다</a:t>
+            </a:r>
+            <a:r>
+              <a:rPr lang="en-US" altLang="ko-KR" dirty="0"/>
+              <a:t>.</a:t>
+            </a:r>
+            <a:endParaRPr lang="ko-KR" altLang="en-US" dirty="0"/>
+          </a:p>
+        </p:txBody>
+      </p:sp>
+      <p:sp>
+        <p:nvSpPr>
+          <p:cNvPr id="13" name="TextBox 12">
+            <a:extLst>
+              <a:ext uri="{FF2B5EF4-FFF2-40B4-BE49-F238E27FC236}">
+                <a16:creationId xmlns:a16="http://schemas.microsoft.com/office/drawing/2014/main" id="{D6624A2C-0E63-4225-8441-530D3CDC505A}"/>
+              </a:ext>
+            </a:extLst>
+          </p:cNvPr>
+          <p:cNvSpPr txBox="1"/>
+          <p:nvPr/>
+        </p:nvSpPr>
+        <p:spPr>
+          <a:xfrm>
+            <a:off x="3496614" y="1482539"/>
+            <a:ext cx="5649303" cy="369332"/>
+          </a:xfrm>
+          <a:prstGeom prst="rect">
+            <a:avLst/>
+          </a:prstGeom>
+          <a:noFill/>
+        </p:spPr>
+        <p:txBody>
+          <a:bodyPr wrap="none" rtlCol="0">
+            <a:spAutoFit/>
+          </a:bodyPr>
+          <a:lstStyle/>
+          <a:p>
+            <a:r>
+              <a:rPr lang="en-US" altLang="ko-KR" dirty="0"/>
+              <a:t>2 </a:t>
+            </a:r>
+            <a:r>
+              <a:rPr lang="ko-KR" altLang="en-US" dirty="0">
+                <a:latin typeface="210 옴니고딕 030" panose="02020603020101020101" pitchFamily="18" charset="-127"/>
+                <a:ea typeface="210 옴니고딕 030" panose="02020603020101020101" pitchFamily="18" charset="-127"/>
+              </a:rPr>
+              <a:t>길가다가</a:t>
+            </a:r>
+            <a:r>
+              <a:rPr lang="ko-KR" altLang="en-US" dirty="0"/>
+              <a:t> 오브젝트를 만나면 다음과 같이 행동한다</a:t>
+            </a:r>
+            <a:r>
+              <a:rPr lang="en-US" altLang="ko-KR" dirty="0"/>
+              <a:t>.</a:t>
+            </a:r>
+            <a:endParaRPr lang="ko-KR" altLang="en-US" dirty="0"/>
+          </a:p>
+        </p:txBody>
+      </p:sp>
+      <p:pic>
+        <p:nvPicPr>
+          <p:cNvPr id="14" name="그래픽 13" descr="올린 손">
+            <a:extLst>
+              <a:ext uri="{FF2B5EF4-FFF2-40B4-BE49-F238E27FC236}">
+                <a16:creationId xmlns:a16="http://schemas.microsoft.com/office/drawing/2014/main" id="{AB0108A3-92A7-4336-A424-2A8880612345}"/>
+              </a:ext>
+            </a:extLst>
+          </p:cNvPr>
+          <p:cNvPicPr>
+            <a:picLocks noChangeAspect="1"/>
+          </p:cNvPicPr>
+          <p:nvPr/>
+        </p:nvPicPr>
+        <p:blipFill>
+          <a:blip r:embed="rId5">
+            <a:extLst>
+              <a:ext uri="{28A0092B-C50C-407E-A947-70E740481C1C}">
+                <a14:useLocalDpi xmlns:a14="http://schemas.microsoft.com/office/drawing/2010/main" val="0"/>
+              </a:ext>
+              <a:ext uri="{96DAC541-7B7A-43D3-8B79-37D633B846F1}">
+                <asvg:svgBlip xmlns:asvg="http://schemas.microsoft.com/office/drawing/2016/SVG/main" r:embed="rId6"/>
+              </a:ext>
+            </a:extLst>
+          </a:blip>
+          <a:stretch>
+            <a:fillRect/>
+          </a:stretch>
+        </p:blipFill>
+        <p:spPr>
+          <a:xfrm>
+            <a:off x="3606126" y="2323998"/>
+            <a:ext cx="2731838" cy="2731838"/>
+          </a:xfrm>
+          <a:prstGeom prst="rect">
+            <a:avLst/>
+          </a:prstGeom>
+        </p:spPr>
+      </p:pic>
+      <p:sp>
+        <p:nvSpPr>
+          <p:cNvPr id="15" name="사각형: 둥근 모서리 14">
+            <a:extLst>
+              <a:ext uri="{FF2B5EF4-FFF2-40B4-BE49-F238E27FC236}">
+                <a16:creationId xmlns:a16="http://schemas.microsoft.com/office/drawing/2014/main" id="{F874DE70-7B20-4297-B59E-1306C12886C7}"/>
+              </a:ext>
+            </a:extLst>
+          </p:cNvPr>
+          <p:cNvSpPr/>
+          <p:nvPr/>
+        </p:nvSpPr>
+        <p:spPr>
+          <a:xfrm>
+            <a:off x="6321265" y="2190177"/>
+            <a:ext cx="3747752" cy="1760439"/>
+          </a:xfrm>
+          <a:prstGeom prst="roundRect">
+            <a:avLst/>
+          </a:prstGeom>
+          <a:solidFill>
+            <a:schemeClr val="tx1"/>
+          </a:solidFill>
         </p:spPr>
         <p:style>
           <a:lnRef idx="2">
@@ -4682,110 +4833,10 @@
           <a:lstStyle/>
           <a:p>
             <a:pPr algn="ctr"/>
-            <a:endParaRPr lang="ko-KR" altLang="en-US"/>
-          </a:p>
-        </p:txBody>
-      </p:sp>
-      <p:sp>
-        <p:nvSpPr>
-          <p:cNvPr id="11" name="TextBox 10">
-            <a:extLst>
-              <a:ext uri="{FF2B5EF4-FFF2-40B4-BE49-F238E27FC236}">
-                <a16:creationId xmlns:a16="http://schemas.microsoft.com/office/drawing/2014/main" id="{38AB94DD-A390-4091-B8FE-B1F37B96F14A}"/>
-              </a:ext>
-            </a:extLst>
-          </p:cNvPr>
-          <p:cNvSpPr txBox="1"/>
-          <p:nvPr/>
-        </p:nvSpPr>
-        <p:spPr>
-          <a:xfrm>
-            <a:off x="379928" y="1462648"/>
-            <a:ext cx="2731838" cy="369332"/>
-          </a:xfrm>
-          <a:prstGeom prst="rect">
-            <a:avLst/>
-          </a:prstGeom>
-          <a:noFill/>
-        </p:spPr>
-        <p:txBody>
-          <a:bodyPr wrap="none" rtlCol="0">
-            <a:spAutoFit/>
-          </a:bodyPr>
-          <a:lstStyle/>
-          <a:p>
-            <a:r>
-              <a:rPr lang="en-US" altLang="ko-KR" dirty="0"/>
-              <a:t>1 </a:t>
-            </a:r>
-            <a:r>
-              <a:rPr lang="ko-KR" altLang="en-US" dirty="0"/>
-              <a:t>기본 </a:t>
-            </a:r>
-            <a:r>
-              <a:rPr lang="en-US" altLang="ko-KR" dirty="0"/>
-              <a:t>W S </a:t>
-            </a:r>
-            <a:r>
-              <a:rPr lang="ko-KR" altLang="en-US" dirty="0"/>
-              <a:t>로 이동한다</a:t>
-            </a:r>
-            <a:r>
-              <a:rPr lang="en-US" altLang="ko-KR" dirty="0"/>
-              <a:t>.</a:t>
-            </a:r>
-            <a:endParaRPr lang="ko-KR" altLang="en-US" dirty="0"/>
-          </a:p>
-        </p:txBody>
-      </p:sp>
-      <p:sp>
-        <p:nvSpPr>
-          <p:cNvPr id="13" name="TextBox 12">
-            <a:extLst>
-              <a:ext uri="{FF2B5EF4-FFF2-40B4-BE49-F238E27FC236}">
-                <a16:creationId xmlns:a16="http://schemas.microsoft.com/office/drawing/2014/main" id="{D6624A2C-0E63-4225-8441-530D3CDC505A}"/>
-              </a:ext>
-            </a:extLst>
-          </p:cNvPr>
-          <p:cNvSpPr txBox="1"/>
-          <p:nvPr/>
-        </p:nvSpPr>
-        <p:spPr>
-          <a:xfrm>
-            <a:off x="3496614" y="1482539"/>
-            <a:ext cx="5649303" cy="369332"/>
-          </a:xfrm>
-          <a:prstGeom prst="rect">
-            <a:avLst/>
-          </a:prstGeom>
-          <a:noFill/>
-        </p:spPr>
-        <p:txBody>
-          <a:bodyPr wrap="none" rtlCol="0">
-            <a:spAutoFit/>
-          </a:bodyPr>
-          <a:lstStyle/>
-          <a:p>
-            <a:r>
-              <a:rPr lang="en-US" altLang="ko-KR" dirty="0"/>
-              <a:t>2 </a:t>
-            </a:r>
-            <a:r>
-              <a:rPr lang="ko-KR" altLang="en-US" dirty="0">
-                <a:latin typeface="210 옴니고딕 030" panose="02020603020101020101" pitchFamily="18" charset="-127"/>
-                <a:ea typeface="210 옴니고딕 030" panose="02020603020101020101" pitchFamily="18" charset="-127"/>
-              </a:rPr>
-              <a:t>길가다가</a:t>
-            </a:r>
-            <a:r>
-              <a:rPr lang="ko-KR" altLang="en-US" dirty="0"/>
-              <a:t> 오브젝트를 만나면 다음과 같이 행동한다</a:t>
-            </a:r>
-            <a:r>
-              <a:rPr lang="en-US" altLang="ko-KR" dirty="0"/>
-              <a:t>.</a:t>
-            </a:r>
-            <a:endParaRPr lang="ko-KR" altLang="en-US" dirty="0"/>
+            <a:r>
+              <a:rPr lang="ko-KR" altLang="en-US" sz="2000" dirty="0"/>
+              <a:t>마우스를 이용해 조작</a:t>
+            </a:r>
           </a:p>
         </p:txBody>
       </p:sp>
